--- a/01_doc/Schéma fonctionnel/Schéma du projet.pptx
+++ b/01_doc/Schéma fonctionnel/Schéma du projet.pptx
@@ -104,6 +104,11 @@
       </a:defRPr>
     </a:lvl9pPr>
   </p:defaultTextStyle>
+  <p:extLst>
+    <p:ext uri="{EFAFB233-063F-42B5-8137-9DF3F51BA10A}">
+      <p15:sldGuideLst xmlns:p15="http://schemas.microsoft.com/office/powerpoint/2012/main"/>
+    </p:ext>
+  </p:extLst>
 </p:presentation>
 </file>
 
@@ -254,7 +259,7 @@
           <a:p>
             <a:fld id="{5EF64A03-C257-4CA5-9616-85CF8D5B1383}" type="datetimeFigureOut">
               <a:rPr lang="fr-FR" smtClean="0"/>
-              <a:t>27/01/2023</a:t>
+              <a:t>30/01/2023</a:t>
             </a:fld>
             <a:endParaRPr lang="fr-FR"/>
           </a:p>
@@ -452,7 +457,7 @@
           <a:p>
             <a:fld id="{5EF64A03-C257-4CA5-9616-85CF8D5B1383}" type="datetimeFigureOut">
               <a:rPr lang="fr-FR" smtClean="0"/>
-              <a:t>27/01/2023</a:t>
+              <a:t>30/01/2023</a:t>
             </a:fld>
             <a:endParaRPr lang="fr-FR"/>
           </a:p>
@@ -660,7 +665,7 @@
           <a:p>
             <a:fld id="{5EF64A03-C257-4CA5-9616-85CF8D5B1383}" type="datetimeFigureOut">
               <a:rPr lang="fr-FR" smtClean="0"/>
-              <a:t>27/01/2023</a:t>
+              <a:t>30/01/2023</a:t>
             </a:fld>
             <a:endParaRPr lang="fr-FR"/>
           </a:p>
@@ -858,7 +863,7 @@
           <a:p>
             <a:fld id="{5EF64A03-C257-4CA5-9616-85CF8D5B1383}" type="datetimeFigureOut">
               <a:rPr lang="fr-FR" smtClean="0"/>
-              <a:t>27/01/2023</a:t>
+              <a:t>30/01/2023</a:t>
             </a:fld>
             <a:endParaRPr lang="fr-FR"/>
           </a:p>
@@ -1133,7 +1138,7 @@
           <a:p>
             <a:fld id="{5EF64A03-C257-4CA5-9616-85CF8D5B1383}" type="datetimeFigureOut">
               <a:rPr lang="fr-FR" smtClean="0"/>
-              <a:t>27/01/2023</a:t>
+              <a:t>30/01/2023</a:t>
             </a:fld>
             <a:endParaRPr lang="fr-FR"/>
           </a:p>
@@ -1398,7 +1403,7 @@
           <a:p>
             <a:fld id="{5EF64A03-C257-4CA5-9616-85CF8D5B1383}" type="datetimeFigureOut">
               <a:rPr lang="fr-FR" smtClean="0"/>
-              <a:t>27/01/2023</a:t>
+              <a:t>30/01/2023</a:t>
             </a:fld>
             <a:endParaRPr lang="fr-FR"/>
           </a:p>
@@ -1810,7 +1815,7 @@
           <a:p>
             <a:fld id="{5EF64A03-C257-4CA5-9616-85CF8D5B1383}" type="datetimeFigureOut">
               <a:rPr lang="fr-FR" smtClean="0"/>
-              <a:t>27/01/2023</a:t>
+              <a:t>30/01/2023</a:t>
             </a:fld>
             <a:endParaRPr lang="fr-FR"/>
           </a:p>
@@ -1951,7 +1956,7 @@
           <a:p>
             <a:fld id="{5EF64A03-C257-4CA5-9616-85CF8D5B1383}" type="datetimeFigureOut">
               <a:rPr lang="fr-FR" smtClean="0"/>
-              <a:t>27/01/2023</a:t>
+              <a:t>30/01/2023</a:t>
             </a:fld>
             <a:endParaRPr lang="fr-FR"/>
           </a:p>
@@ -2064,7 +2069,7 @@
           <a:p>
             <a:fld id="{5EF64A03-C257-4CA5-9616-85CF8D5B1383}" type="datetimeFigureOut">
               <a:rPr lang="fr-FR" smtClean="0"/>
-              <a:t>27/01/2023</a:t>
+              <a:t>30/01/2023</a:t>
             </a:fld>
             <a:endParaRPr lang="fr-FR"/>
           </a:p>
@@ -2375,7 +2380,7 @@
           <a:p>
             <a:fld id="{5EF64A03-C257-4CA5-9616-85CF8D5B1383}" type="datetimeFigureOut">
               <a:rPr lang="fr-FR" smtClean="0"/>
-              <a:t>27/01/2023</a:t>
+              <a:t>30/01/2023</a:t>
             </a:fld>
             <a:endParaRPr lang="fr-FR"/>
           </a:p>
@@ -2663,7 +2668,7 @@
           <a:p>
             <a:fld id="{5EF64A03-C257-4CA5-9616-85CF8D5B1383}" type="datetimeFigureOut">
               <a:rPr lang="fr-FR" smtClean="0"/>
-              <a:t>27/01/2023</a:t>
+              <a:t>30/01/2023</a:t>
             </a:fld>
             <a:endParaRPr lang="fr-FR"/>
           </a:p>
@@ -2904,7 +2909,7 @@
           <a:p>
             <a:fld id="{5EF64A03-C257-4CA5-9616-85CF8D5B1383}" type="datetimeFigureOut">
               <a:rPr lang="fr-FR" smtClean="0"/>
-              <a:t>27/01/2023</a:t>
+              <a:t>30/01/2023</a:t>
             </a:fld>
             <a:endParaRPr lang="fr-FR"/>
           </a:p>
@@ -4298,6 +4303,357 @@
           </a:p>
         </p:txBody>
       </p:sp>
+      <p:cxnSp>
+        <p:nvCxnSpPr>
+          <p:cNvPr id="3" name="Connecteur droit 2">
+            <a:extLst>
+              <a:ext uri="{FF2B5EF4-FFF2-40B4-BE49-F238E27FC236}">
+                <a16:creationId xmlns:a16="http://schemas.microsoft.com/office/drawing/2014/main" id="{CA315638-C53B-189D-042D-4A9401398A75}"/>
+              </a:ext>
+            </a:extLst>
+          </p:cNvPr>
+          <p:cNvCxnSpPr/>
+          <p:nvPr/>
+        </p:nvCxnSpPr>
+        <p:spPr>
+          <a:xfrm>
+            <a:off x="8717872" y="4421080"/>
+            <a:ext cx="2201662" cy="0"/>
+          </a:xfrm>
+          <a:prstGeom prst="line">
+            <a:avLst/>
+          </a:prstGeom>
+        </p:spPr>
+        <p:style>
+          <a:lnRef idx="1">
+            <a:schemeClr val="accent1"/>
+          </a:lnRef>
+          <a:fillRef idx="0">
+            <a:schemeClr val="accent1"/>
+          </a:fillRef>
+          <a:effectRef idx="0">
+            <a:schemeClr val="accent1"/>
+          </a:effectRef>
+          <a:fontRef idx="minor">
+            <a:schemeClr val="tx1"/>
+          </a:fontRef>
+        </p:style>
+      </p:cxnSp>
+      <p:cxnSp>
+        <p:nvCxnSpPr>
+          <p:cNvPr id="4" name="Connecteur droit 3">
+            <a:extLst>
+              <a:ext uri="{FF2B5EF4-FFF2-40B4-BE49-F238E27FC236}">
+                <a16:creationId xmlns:a16="http://schemas.microsoft.com/office/drawing/2014/main" id="{2FD407DA-5E2B-F249-7D61-48766C69CF13}"/>
+              </a:ext>
+            </a:extLst>
+          </p:cNvPr>
+          <p:cNvCxnSpPr>
+            <a:cxnSpLocks/>
+          </p:cNvCxnSpPr>
+          <p:nvPr/>
+        </p:nvCxnSpPr>
+        <p:spPr>
+          <a:xfrm flipV="1">
+            <a:off x="8873712" y="4328602"/>
+            <a:ext cx="221942" cy="184955"/>
+          </a:xfrm>
+          <a:prstGeom prst="line">
+            <a:avLst/>
+          </a:prstGeom>
+        </p:spPr>
+        <p:style>
+          <a:lnRef idx="1">
+            <a:schemeClr val="accent1"/>
+          </a:lnRef>
+          <a:fillRef idx="0">
+            <a:schemeClr val="accent1"/>
+          </a:fillRef>
+          <a:effectRef idx="0">
+            <a:schemeClr val="accent1"/>
+          </a:effectRef>
+          <a:fontRef idx="minor">
+            <a:schemeClr val="tx1"/>
+          </a:fontRef>
+        </p:style>
+      </p:cxnSp>
+      <p:cxnSp>
+        <p:nvCxnSpPr>
+          <p:cNvPr id="14" name="Connecteur droit 13">
+            <a:extLst>
+              <a:ext uri="{FF2B5EF4-FFF2-40B4-BE49-F238E27FC236}">
+                <a16:creationId xmlns:a16="http://schemas.microsoft.com/office/drawing/2014/main" id="{20326224-3E9E-D96D-8C36-7FE847FD59DB}"/>
+              </a:ext>
+            </a:extLst>
+          </p:cNvPr>
+          <p:cNvCxnSpPr>
+            <a:cxnSpLocks/>
+          </p:cNvCxnSpPr>
+          <p:nvPr/>
+        </p:nvCxnSpPr>
+        <p:spPr>
+          <a:xfrm flipV="1">
+            <a:off x="10565270" y="4328601"/>
+            <a:ext cx="221942" cy="184955"/>
+          </a:xfrm>
+          <a:prstGeom prst="line">
+            <a:avLst/>
+          </a:prstGeom>
+        </p:spPr>
+        <p:style>
+          <a:lnRef idx="1">
+            <a:schemeClr val="accent1"/>
+          </a:lnRef>
+          <a:fillRef idx="0">
+            <a:schemeClr val="accent1"/>
+          </a:fillRef>
+          <a:effectRef idx="0">
+            <a:schemeClr val="accent1"/>
+          </a:effectRef>
+          <a:fontRef idx="minor">
+            <a:schemeClr val="tx1"/>
+          </a:fontRef>
+        </p:style>
+      </p:cxnSp>
+      <p:cxnSp>
+        <p:nvCxnSpPr>
+          <p:cNvPr id="15" name="Connecteur droit 14">
+            <a:extLst>
+              <a:ext uri="{FF2B5EF4-FFF2-40B4-BE49-F238E27FC236}">
+                <a16:creationId xmlns:a16="http://schemas.microsoft.com/office/drawing/2014/main" id="{8A6ACDD7-67AF-A821-94D2-6675B02B4DAF}"/>
+              </a:ext>
+            </a:extLst>
+          </p:cNvPr>
+          <p:cNvCxnSpPr>
+            <a:cxnSpLocks/>
+          </p:cNvCxnSpPr>
+          <p:nvPr/>
+        </p:nvCxnSpPr>
+        <p:spPr>
+          <a:xfrm flipV="1">
+            <a:off x="9818703" y="2712792"/>
+            <a:ext cx="0" cy="1708286"/>
+          </a:xfrm>
+          <a:prstGeom prst="line">
+            <a:avLst/>
+          </a:prstGeom>
+        </p:spPr>
+        <p:style>
+          <a:lnRef idx="1">
+            <a:schemeClr val="accent1"/>
+          </a:lnRef>
+          <a:fillRef idx="0">
+            <a:schemeClr val="accent1"/>
+          </a:fillRef>
+          <a:effectRef idx="0">
+            <a:schemeClr val="accent1"/>
+          </a:effectRef>
+          <a:fontRef idx="minor">
+            <a:schemeClr val="tx1"/>
+          </a:fontRef>
+        </p:style>
+      </p:cxnSp>
+      <p:cxnSp>
+        <p:nvCxnSpPr>
+          <p:cNvPr id="18" name="Connecteur droit 17">
+            <a:extLst>
+              <a:ext uri="{FF2B5EF4-FFF2-40B4-BE49-F238E27FC236}">
+                <a16:creationId xmlns:a16="http://schemas.microsoft.com/office/drawing/2014/main" id="{AE704F61-4FD3-204B-72E2-ED0F099FF9BE}"/>
+              </a:ext>
+            </a:extLst>
+          </p:cNvPr>
+          <p:cNvCxnSpPr>
+            <a:cxnSpLocks/>
+          </p:cNvCxnSpPr>
+          <p:nvPr/>
+        </p:nvCxnSpPr>
+        <p:spPr>
+          <a:xfrm flipH="1" flipV="1">
+            <a:off x="9588690" y="2403134"/>
+            <a:ext cx="1087551" cy="1461060"/>
+          </a:xfrm>
+          <a:prstGeom prst="line">
+            <a:avLst/>
+          </a:prstGeom>
+        </p:spPr>
+        <p:style>
+          <a:lnRef idx="1">
+            <a:schemeClr val="accent1"/>
+          </a:lnRef>
+          <a:fillRef idx="0">
+            <a:schemeClr val="accent1"/>
+          </a:fillRef>
+          <a:effectRef idx="0">
+            <a:schemeClr val="accent1"/>
+          </a:effectRef>
+          <a:fontRef idx="minor">
+            <a:schemeClr val="tx1"/>
+          </a:fontRef>
+        </p:style>
+      </p:cxnSp>
+      <p:sp>
+        <p:nvSpPr>
+          <p:cNvPr id="21" name="Ellipse 20">
+            <a:extLst>
+              <a:ext uri="{FF2B5EF4-FFF2-40B4-BE49-F238E27FC236}">
+                <a16:creationId xmlns:a16="http://schemas.microsoft.com/office/drawing/2014/main" id="{909A0F03-B55C-B35E-1218-71821EA7EE3E}"/>
+              </a:ext>
+            </a:extLst>
+          </p:cNvPr>
+          <p:cNvSpPr/>
+          <p:nvPr/>
+        </p:nvSpPr>
+        <p:spPr>
+          <a:xfrm>
+            <a:off x="10565271" y="3811289"/>
+            <a:ext cx="221940" cy="181200"/>
+          </a:xfrm>
+          <a:prstGeom prst="ellipse">
+            <a:avLst/>
+          </a:prstGeom>
+          <a:ln>
+            <a:solidFill>
+              <a:schemeClr val="accent1"/>
+            </a:solidFill>
+          </a:ln>
+        </p:spPr>
+        <p:style>
+          <a:lnRef idx="2">
+            <a:schemeClr val="accent6"/>
+          </a:lnRef>
+          <a:fillRef idx="1">
+            <a:schemeClr val="lt1"/>
+          </a:fillRef>
+          <a:effectRef idx="0">
+            <a:schemeClr val="accent6"/>
+          </a:effectRef>
+          <a:fontRef idx="minor">
+            <a:schemeClr val="dk1"/>
+          </a:fontRef>
+        </p:style>
+        <p:txBody>
+          <a:bodyPr rtlCol="0" anchor="ctr"/>
+          <a:lstStyle/>
+          <a:p>
+            <a:pPr algn="ctr"/>
+            <a:endParaRPr lang="fr-FR"/>
+          </a:p>
+        </p:txBody>
+      </p:sp>
+      <p:cxnSp>
+        <p:nvCxnSpPr>
+          <p:cNvPr id="22" name="Connecteur droit 21">
+            <a:extLst>
+              <a:ext uri="{FF2B5EF4-FFF2-40B4-BE49-F238E27FC236}">
+                <a16:creationId xmlns:a16="http://schemas.microsoft.com/office/drawing/2014/main" id="{4BF931D2-94F2-C53D-961F-134298236955}"/>
+              </a:ext>
+            </a:extLst>
+          </p:cNvPr>
+          <p:cNvCxnSpPr>
+            <a:cxnSpLocks/>
+          </p:cNvCxnSpPr>
+          <p:nvPr/>
+        </p:nvCxnSpPr>
+        <p:spPr>
+          <a:xfrm flipV="1">
+            <a:off x="10454299" y="3911442"/>
+            <a:ext cx="221942" cy="184955"/>
+          </a:xfrm>
+          <a:prstGeom prst="line">
+            <a:avLst/>
+          </a:prstGeom>
+        </p:spPr>
+        <p:style>
+          <a:lnRef idx="1">
+            <a:schemeClr val="accent1"/>
+          </a:lnRef>
+          <a:fillRef idx="0">
+            <a:schemeClr val="accent1"/>
+          </a:fillRef>
+          <a:effectRef idx="0">
+            <a:schemeClr val="accent1"/>
+          </a:effectRef>
+          <a:fontRef idx="minor">
+            <a:schemeClr val="tx1"/>
+          </a:fontRef>
+        </p:style>
+      </p:cxnSp>
+      <p:cxnSp>
+        <p:nvCxnSpPr>
+          <p:cNvPr id="23" name="Connecteur droit 22">
+            <a:extLst>
+              <a:ext uri="{FF2B5EF4-FFF2-40B4-BE49-F238E27FC236}">
+                <a16:creationId xmlns:a16="http://schemas.microsoft.com/office/drawing/2014/main" id="{B3921E5A-35E2-3BA2-7F98-10BA888BD28A}"/>
+              </a:ext>
+            </a:extLst>
+          </p:cNvPr>
+          <p:cNvCxnSpPr>
+            <a:cxnSpLocks/>
+          </p:cNvCxnSpPr>
+          <p:nvPr/>
+        </p:nvCxnSpPr>
+        <p:spPr>
+          <a:xfrm flipH="1" flipV="1">
+            <a:off x="10523841" y="3746602"/>
+            <a:ext cx="152400" cy="163830"/>
+          </a:xfrm>
+          <a:prstGeom prst="line">
+            <a:avLst/>
+          </a:prstGeom>
+        </p:spPr>
+        <p:style>
+          <a:lnRef idx="1">
+            <a:schemeClr val="accent1"/>
+          </a:lnRef>
+          <a:fillRef idx="0">
+            <a:schemeClr val="accent1"/>
+          </a:fillRef>
+          <a:effectRef idx="0">
+            <a:schemeClr val="accent1"/>
+          </a:effectRef>
+          <a:fontRef idx="minor">
+            <a:schemeClr val="tx1"/>
+          </a:fontRef>
+        </p:style>
+      </p:cxnSp>
+      <p:cxnSp>
+        <p:nvCxnSpPr>
+          <p:cNvPr id="25" name="Connecteur droit 24">
+            <a:extLst>
+              <a:ext uri="{FF2B5EF4-FFF2-40B4-BE49-F238E27FC236}">
+                <a16:creationId xmlns:a16="http://schemas.microsoft.com/office/drawing/2014/main" id="{A08D73BD-6F81-B22C-5E9F-A5D9C814E580}"/>
+              </a:ext>
+            </a:extLst>
+          </p:cNvPr>
+          <p:cNvCxnSpPr>
+            <a:cxnSpLocks/>
+          </p:cNvCxnSpPr>
+          <p:nvPr/>
+        </p:nvCxnSpPr>
+        <p:spPr>
+          <a:xfrm>
+            <a:off x="10676241" y="3921483"/>
+            <a:ext cx="284086" cy="0"/>
+          </a:xfrm>
+          <a:prstGeom prst="line">
+            <a:avLst/>
+          </a:prstGeom>
+        </p:spPr>
+        <p:style>
+          <a:lnRef idx="1">
+            <a:schemeClr val="accent1"/>
+          </a:lnRef>
+          <a:fillRef idx="0">
+            <a:schemeClr val="accent1"/>
+          </a:fillRef>
+          <a:effectRef idx="0">
+            <a:schemeClr val="accent1"/>
+          </a:effectRef>
+          <a:fontRef idx="minor">
+            <a:schemeClr val="tx1"/>
+          </a:fontRef>
+        </p:style>
+      </p:cxnSp>
     </p:spTree>
     <p:extLst>
       <p:ext uri="{BB962C8B-B14F-4D97-AF65-F5344CB8AC3E}">

--- a/01_doc/Schéma fonctionnel/Schéma du projet.pptx
+++ b/01_doc/Schéma fonctionnel/Schéma du projet.pptx
@@ -259,7 +259,7 @@
           <a:p>
             <a:fld id="{5EF64A03-C257-4CA5-9616-85CF8D5B1383}" type="datetimeFigureOut">
               <a:rPr lang="fr-FR" smtClean="0"/>
-              <a:t>30/01/2023</a:t>
+              <a:t>06/03/2023</a:t>
             </a:fld>
             <a:endParaRPr lang="fr-FR"/>
           </a:p>
@@ -457,7 +457,7 @@
           <a:p>
             <a:fld id="{5EF64A03-C257-4CA5-9616-85CF8D5B1383}" type="datetimeFigureOut">
               <a:rPr lang="fr-FR" smtClean="0"/>
-              <a:t>30/01/2023</a:t>
+              <a:t>06/03/2023</a:t>
             </a:fld>
             <a:endParaRPr lang="fr-FR"/>
           </a:p>
@@ -665,7 +665,7 @@
           <a:p>
             <a:fld id="{5EF64A03-C257-4CA5-9616-85CF8D5B1383}" type="datetimeFigureOut">
               <a:rPr lang="fr-FR" smtClean="0"/>
-              <a:t>30/01/2023</a:t>
+              <a:t>06/03/2023</a:t>
             </a:fld>
             <a:endParaRPr lang="fr-FR"/>
           </a:p>
@@ -863,7 +863,7 @@
           <a:p>
             <a:fld id="{5EF64A03-C257-4CA5-9616-85CF8D5B1383}" type="datetimeFigureOut">
               <a:rPr lang="fr-FR" smtClean="0"/>
-              <a:t>30/01/2023</a:t>
+              <a:t>06/03/2023</a:t>
             </a:fld>
             <a:endParaRPr lang="fr-FR"/>
           </a:p>
@@ -1138,7 +1138,7 @@
           <a:p>
             <a:fld id="{5EF64A03-C257-4CA5-9616-85CF8D5B1383}" type="datetimeFigureOut">
               <a:rPr lang="fr-FR" smtClean="0"/>
-              <a:t>30/01/2023</a:t>
+              <a:t>06/03/2023</a:t>
             </a:fld>
             <a:endParaRPr lang="fr-FR"/>
           </a:p>
@@ -1403,7 +1403,7 @@
           <a:p>
             <a:fld id="{5EF64A03-C257-4CA5-9616-85CF8D5B1383}" type="datetimeFigureOut">
               <a:rPr lang="fr-FR" smtClean="0"/>
-              <a:t>30/01/2023</a:t>
+              <a:t>06/03/2023</a:t>
             </a:fld>
             <a:endParaRPr lang="fr-FR"/>
           </a:p>
@@ -1815,7 +1815,7 @@
           <a:p>
             <a:fld id="{5EF64A03-C257-4CA5-9616-85CF8D5B1383}" type="datetimeFigureOut">
               <a:rPr lang="fr-FR" smtClean="0"/>
-              <a:t>30/01/2023</a:t>
+              <a:t>06/03/2023</a:t>
             </a:fld>
             <a:endParaRPr lang="fr-FR"/>
           </a:p>
@@ -1956,7 +1956,7 @@
           <a:p>
             <a:fld id="{5EF64A03-C257-4CA5-9616-85CF8D5B1383}" type="datetimeFigureOut">
               <a:rPr lang="fr-FR" smtClean="0"/>
-              <a:t>30/01/2023</a:t>
+              <a:t>06/03/2023</a:t>
             </a:fld>
             <a:endParaRPr lang="fr-FR"/>
           </a:p>
@@ -2069,7 +2069,7 @@
           <a:p>
             <a:fld id="{5EF64A03-C257-4CA5-9616-85CF8D5B1383}" type="datetimeFigureOut">
               <a:rPr lang="fr-FR" smtClean="0"/>
-              <a:t>30/01/2023</a:t>
+              <a:t>06/03/2023</a:t>
             </a:fld>
             <a:endParaRPr lang="fr-FR"/>
           </a:p>
@@ -2380,7 +2380,7 @@
           <a:p>
             <a:fld id="{5EF64A03-C257-4CA5-9616-85CF8D5B1383}" type="datetimeFigureOut">
               <a:rPr lang="fr-FR" smtClean="0"/>
-              <a:t>30/01/2023</a:t>
+              <a:t>06/03/2023</a:t>
             </a:fld>
             <a:endParaRPr lang="fr-FR"/>
           </a:p>
@@ -2668,7 +2668,7 @@
           <a:p>
             <a:fld id="{5EF64A03-C257-4CA5-9616-85CF8D5B1383}" type="datetimeFigureOut">
               <a:rPr lang="fr-FR" smtClean="0"/>
-              <a:t>30/01/2023</a:t>
+              <a:t>06/03/2023</a:t>
             </a:fld>
             <a:endParaRPr lang="fr-FR"/>
           </a:p>
@@ -2909,7 +2909,7 @@
           <a:p>
             <a:fld id="{5EF64A03-C257-4CA5-9616-85CF8D5B1383}" type="datetimeFigureOut">
               <a:rPr lang="fr-FR" smtClean="0"/>
-              <a:t>30/01/2023</a:t>
+              <a:t>06/03/2023</a:t>
             </a:fld>
             <a:endParaRPr lang="fr-FR"/>
           </a:p>
@@ -3340,7 +3340,7 @@
         </p:nvSpPr>
         <p:spPr>
           <a:xfrm>
-            <a:off x="5994643" y="530286"/>
+            <a:off x="5666169" y="1204989"/>
             <a:ext cx="720305" cy="369332"/>
           </a:xfrm>
           <a:prstGeom prst="rect">
@@ -3379,7 +3379,7 @@
         </p:nvSpPr>
         <p:spPr>
           <a:xfrm>
-            <a:off x="3071724" y="1392061"/>
+            <a:off x="2743250" y="2066764"/>
             <a:ext cx="465826" cy="369332"/>
           </a:xfrm>
           <a:prstGeom prst="rect">
@@ -3425,7 +3425,7 @@
         </p:nvSpPr>
         <p:spPr>
           <a:xfrm>
-            <a:off x="5572307" y="1117273"/>
+            <a:off x="5243833" y="1791976"/>
             <a:ext cx="1564978" cy="923330"/>
           </a:xfrm>
           <a:prstGeom prst="rect">
@@ -3485,7 +3485,7 @@
         </p:nvSpPr>
         <p:spPr>
           <a:xfrm>
-            <a:off x="1328469" y="1027541"/>
+            <a:off x="999995" y="1702244"/>
             <a:ext cx="595222" cy="369332"/>
           </a:xfrm>
           <a:prstGeom prst="rect">
@@ -3531,7 +3531,7 @@
         </p:nvSpPr>
         <p:spPr>
           <a:xfrm>
-            <a:off x="1393167" y="1394272"/>
+            <a:off x="1064693" y="2068975"/>
             <a:ext cx="465826" cy="369332"/>
           </a:xfrm>
           <a:prstGeom prst="rect">
@@ -3577,7 +3577,7 @@
         </p:nvSpPr>
         <p:spPr>
           <a:xfrm>
-            <a:off x="4375746" y="1392061"/>
+            <a:off x="4047272" y="2066764"/>
             <a:ext cx="583723" cy="369332"/>
           </a:xfrm>
           <a:prstGeom prst="rect">
@@ -3623,7 +3623,7 @@
         </p:nvSpPr>
         <p:spPr>
           <a:xfrm>
-            <a:off x="5572307" y="3909390"/>
+            <a:off x="5243833" y="4584093"/>
             <a:ext cx="1564978" cy="646331"/>
           </a:xfrm>
           <a:prstGeom prst="rect">
@@ -3673,7 +3673,7 @@
         </p:nvCxnSpPr>
         <p:spPr>
           <a:xfrm flipV="1">
-            <a:off x="1858993" y="1576727"/>
+            <a:off x="1530519" y="2251430"/>
             <a:ext cx="1212731" cy="2211"/>
           </a:xfrm>
           <a:prstGeom prst="straightConnector1">
@@ -3716,7 +3716,7 @@
         </p:nvCxnSpPr>
         <p:spPr>
           <a:xfrm>
-            <a:off x="3537550" y="1576727"/>
+            <a:off x="3209076" y="2251430"/>
             <a:ext cx="838196" cy="0"/>
           </a:xfrm>
           <a:prstGeom prst="straightConnector1">
@@ -3755,7 +3755,7 @@
         </p:nvSpPr>
         <p:spPr>
           <a:xfrm>
-            <a:off x="2773394" y="1022729"/>
+            <a:off x="2444920" y="1697432"/>
             <a:ext cx="1062486" cy="369332"/>
           </a:xfrm>
           <a:prstGeom prst="rect">
@@ -3805,7 +3805,7 @@
         </p:nvCxnSpPr>
         <p:spPr>
           <a:xfrm>
-            <a:off x="4959469" y="1576727"/>
+            <a:off x="4630995" y="2251430"/>
             <a:ext cx="612838" cy="2211"/>
           </a:xfrm>
           <a:prstGeom prst="straightConnector1">
@@ -3847,7 +3847,7 @@
         </p:nvCxnSpPr>
         <p:spPr>
           <a:xfrm rot="10800000">
-            <a:off x="3164097" y="1761394"/>
+            <a:off x="2835623" y="2436097"/>
             <a:ext cx="2408211" cy="2471163"/>
           </a:xfrm>
           <a:prstGeom prst="bentConnector2">
@@ -3886,7 +3886,7 @@
         </p:nvSpPr>
         <p:spPr>
           <a:xfrm>
-            <a:off x="5572307" y="854016"/>
+            <a:off x="5243833" y="1528719"/>
             <a:ext cx="1564978" cy="3968150"/>
           </a:xfrm>
           <a:prstGeom prst="roundRect">
@@ -3942,7 +3942,7 @@
         </p:nvSpPr>
         <p:spPr>
           <a:xfrm>
-            <a:off x="1268085" y="714952"/>
+            <a:off x="939611" y="1389655"/>
             <a:ext cx="720305" cy="307777"/>
           </a:xfrm>
           <a:prstGeom prst="rect">
@@ -3985,7 +3985,7 @@
         </p:nvSpPr>
         <p:spPr>
           <a:xfrm>
-            <a:off x="3164096" y="724583"/>
+            <a:off x="2835622" y="1399286"/>
             <a:ext cx="281081" cy="307777"/>
           </a:xfrm>
           <a:prstGeom prst="rect">
@@ -4028,7 +4028,7 @@
         </p:nvSpPr>
         <p:spPr>
           <a:xfrm>
-            <a:off x="2157323" y="1543826"/>
+            <a:off x="1828849" y="2218529"/>
             <a:ext cx="611393" cy="307777"/>
           </a:xfrm>
           <a:prstGeom prst="rect">
@@ -4068,7 +4068,7 @@
         </p:nvSpPr>
         <p:spPr>
           <a:xfrm>
-            <a:off x="3730205" y="1543826"/>
+            <a:off x="3401731" y="2218529"/>
             <a:ext cx="452885" cy="307777"/>
           </a:xfrm>
           <a:prstGeom prst="rect">
@@ -4108,7 +4108,7 @@
         </p:nvSpPr>
         <p:spPr>
           <a:xfrm>
-            <a:off x="5572307" y="2790330"/>
+            <a:off x="5243833" y="3465033"/>
             <a:ext cx="1564978" cy="369332"/>
           </a:xfrm>
           <a:prstGeom prst="rect">
@@ -4158,7 +4158,7 @@
         </p:nvCxnSpPr>
         <p:spPr>
           <a:xfrm rot="10800000">
-            <a:off x="3304637" y="1761394"/>
+            <a:off x="2976163" y="2436097"/>
             <a:ext cx="2267670" cy="1213603"/>
           </a:xfrm>
           <a:prstGeom prst="bentConnector2">
@@ -4197,7 +4197,7 @@
         </p:nvSpPr>
         <p:spPr>
           <a:xfrm>
-            <a:off x="4959470" y="2712792"/>
+            <a:off x="4630996" y="3387495"/>
             <a:ext cx="532862" cy="307777"/>
           </a:xfrm>
           <a:prstGeom prst="rect">
@@ -4237,7 +4237,7 @@
         </p:nvSpPr>
         <p:spPr>
           <a:xfrm>
-            <a:off x="4999458" y="3971967"/>
+            <a:off x="4670984" y="4646670"/>
             <a:ext cx="452885" cy="307777"/>
           </a:xfrm>
           <a:prstGeom prst="rect">
@@ -4277,7 +4277,7 @@
         </p:nvSpPr>
         <p:spPr>
           <a:xfrm>
-            <a:off x="4954072" y="1543826"/>
+            <a:off x="4625598" y="2218529"/>
             <a:ext cx="612838" cy="307777"/>
           </a:xfrm>
           <a:prstGeom prst="rect">
@@ -4317,7 +4317,7 @@
         </p:nvCxnSpPr>
         <p:spPr>
           <a:xfrm>
-            <a:off x="8717872" y="4421080"/>
+            <a:off x="8389398" y="5095783"/>
             <a:ext cx="2201662" cy="0"/>
           </a:xfrm>
           <a:prstGeom prst="line">
@@ -4355,7 +4355,7 @@
         </p:nvCxnSpPr>
         <p:spPr>
           <a:xfrm flipV="1">
-            <a:off x="8873712" y="4328602"/>
+            <a:off x="8545238" y="5003305"/>
             <a:ext cx="221942" cy="184955"/>
           </a:xfrm>
           <a:prstGeom prst="line">
@@ -4393,7 +4393,7 @@
         </p:nvCxnSpPr>
         <p:spPr>
           <a:xfrm flipV="1">
-            <a:off x="10565270" y="4328601"/>
+            <a:off x="10236796" y="5003304"/>
             <a:ext cx="221942" cy="184955"/>
           </a:xfrm>
           <a:prstGeom prst="line">
@@ -4431,7 +4431,7 @@
         </p:nvCxnSpPr>
         <p:spPr>
           <a:xfrm flipV="1">
-            <a:off x="9818703" y="2712792"/>
+            <a:off x="9490229" y="3387495"/>
             <a:ext cx="0" cy="1708286"/>
           </a:xfrm>
           <a:prstGeom prst="line">
@@ -4469,7 +4469,7 @@
         </p:nvCxnSpPr>
         <p:spPr>
           <a:xfrm flipH="1" flipV="1">
-            <a:off x="9588690" y="2403134"/>
+            <a:off x="9260216" y="3077837"/>
             <a:ext cx="1087551" cy="1461060"/>
           </a:xfrm>
           <a:prstGeom prst="line">
@@ -4505,13 +4505,13 @@
         </p:nvSpPr>
         <p:spPr>
           <a:xfrm>
-            <a:off x="10565271" y="3811289"/>
+            <a:off x="10236797" y="4485992"/>
             <a:ext cx="221940" cy="181200"/>
           </a:xfrm>
           <a:prstGeom prst="ellipse">
             <a:avLst/>
           </a:prstGeom>
-          <a:ln>
+          <a:ln w="28575">
             <a:solidFill>
               <a:schemeClr val="accent1"/>
             </a:solidFill>
@@ -4556,12 +4556,13 @@
         </p:nvCxnSpPr>
         <p:spPr>
           <a:xfrm flipV="1">
-            <a:off x="10454299" y="3911442"/>
+            <a:off x="10125825" y="4586145"/>
             <a:ext cx="221942" cy="184955"/>
           </a:xfrm>
           <a:prstGeom prst="line">
             <a:avLst/>
           </a:prstGeom>
+          <a:ln w="28575"/>
         </p:spPr>
         <p:style>
           <a:lnRef idx="1">
@@ -4594,12 +4595,13 @@
         </p:nvCxnSpPr>
         <p:spPr>
           <a:xfrm flipH="1" flipV="1">
-            <a:off x="10523841" y="3746602"/>
+            <a:off x="10195367" y="4421305"/>
             <a:ext cx="152400" cy="163830"/>
           </a:xfrm>
           <a:prstGeom prst="line">
             <a:avLst/>
           </a:prstGeom>
+          <a:ln w="28575"/>
         </p:spPr>
         <p:style>
           <a:lnRef idx="1">
@@ -4632,12 +4634,707 @@
         </p:nvCxnSpPr>
         <p:spPr>
           <a:xfrm>
-            <a:off x="10676241" y="3921483"/>
+            <a:off x="10347767" y="4596186"/>
             <a:ext cx="284086" cy="0"/>
           </a:xfrm>
           <a:prstGeom prst="line">
             <a:avLst/>
           </a:prstGeom>
+          <a:ln w="28575"/>
+        </p:spPr>
+        <p:style>
+          <a:lnRef idx="1">
+            <a:schemeClr val="accent1"/>
+          </a:lnRef>
+          <a:fillRef idx="0">
+            <a:schemeClr val="accent1"/>
+          </a:fillRef>
+          <a:effectRef idx="0">
+            <a:schemeClr val="accent1"/>
+          </a:effectRef>
+          <a:fontRef idx="minor">
+            <a:schemeClr val="tx1"/>
+          </a:fontRef>
+        </p:style>
+      </p:cxnSp>
+      <p:sp>
+        <p:nvSpPr>
+          <p:cNvPr id="2" name="Ellipse 1">
+            <a:extLst>
+              <a:ext uri="{FF2B5EF4-FFF2-40B4-BE49-F238E27FC236}">
+                <a16:creationId xmlns:a16="http://schemas.microsoft.com/office/drawing/2014/main" id="{4EB6AF38-EE8B-A307-5173-FB95C8F9F98F}"/>
+              </a:ext>
+            </a:extLst>
+          </p:cNvPr>
+          <p:cNvSpPr/>
+          <p:nvPr/>
+        </p:nvSpPr>
+        <p:spPr>
+          <a:xfrm>
+            <a:off x="10742823" y="4372335"/>
+            <a:ext cx="373669" cy="369317"/>
+          </a:xfrm>
+          <a:prstGeom prst="ellipse">
+            <a:avLst/>
+          </a:prstGeom>
+          <a:noFill/>
+        </p:spPr>
+        <p:style>
+          <a:lnRef idx="2">
+            <a:schemeClr val="accent1">
+              <a:shade val="50000"/>
+            </a:schemeClr>
+          </a:lnRef>
+          <a:fillRef idx="1">
+            <a:schemeClr val="accent1"/>
+          </a:fillRef>
+          <a:effectRef idx="0">
+            <a:schemeClr val="accent1"/>
+          </a:effectRef>
+          <a:fontRef idx="minor">
+            <a:schemeClr val="lt1"/>
+          </a:fontRef>
+        </p:style>
+        <p:txBody>
+          <a:bodyPr rtlCol="0" anchor="ctr"/>
+          <a:lstStyle/>
+          <a:p>
+            <a:pPr algn="ctr"/>
+            <a:r>
+              <a:rPr lang="fr-FR" dirty="0">
+                <a:solidFill>
+                  <a:schemeClr val="tx1"/>
+                </a:solidFill>
+              </a:rPr>
+              <a:t>1</a:t>
+            </a:r>
+          </a:p>
+        </p:txBody>
+      </p:sp>
+      <p:sp>
+        <p:nvSpPr>
+          <p:cNvPr id="12" name="Ellipse 11">
+            <a:extLst>
+              <a:ext uri="{FF2B5EF4-FFF2-40B4-BE49-F238E27FC236}">
+                <a16:creationId xmlns:a16="http://schemas.microsoft.com/office/drawing/2014/main" id="{62415688-6DD2-657D-42CE-E5EFDCCEACC3}"/>
+              </a:ext>
+            </a:extLst>
+          </p:cNvPr>
+          <p:cNvSpPr/>
+          <p:nvPr/>
+        </p:nvSpPr>
+        <p:spPr>
+          <a:xfrm>
+            <a:off x="6937858" y="2066764"/>
+            <a:ext cx="373669" cy="369317"/>
+          </a:xfrm>
+          <a:prstGeom prst="ellipse">
+            <a:avLst/>
+          </a:prstGeom>
+          <a:noFill/>
+        </p:spPr>
+        <p:style>
+          <a:lnRef idx="2">
+            <a:schemeClr val="accent1">
+              <a:shade val="50000"/>
+            </a:schemeClr>
+          </a:lnRef>
+          <a:fillRef idx="1">
+            <a:schemeClr val="accent1"/>
+          </a:fillRef>
+          <a:effectRef idx="0">
+            <a:schemeClr val="accent1"/>
+          </a:effectRef>
+          <a:fontRef idx="minor">
+            <a:schemeClr val="lt1"/>
+          </a:fontRef>
+        </p:style>
+        <p:txBody>
+          <a:bodyPr rtlCol="0" anchor="ctr"/>
+          <a:lstStyle/>
+          <a:p>
+            <a:pPr algn="ctr"/>
+            <a:r>
+              <a:rPr lang="fr-FR" dirty="0">
+                <a:solidFill>
+                  <a:schemeClr val="tx1"/>
+                </a:solidFill>
+              </a:rPr>
+              <a:t>1</a:t>
+            </a:r>
+          </a:p>
+        </p:txBody>
+      </p:sp>
+      <p:sp>
+        <p:nvSpPr>
+          <p:cNvPr id="13" name="Ellipse 12">
+            <a:extLst>
+              <a:ext uri="{FF2B5EF4-FFF2-40B4-BE49-F238E27FC236}">
+                <a16:creationId xmlns:a16="http://schemas.microsoft.com/office/drawing/2014/main" id="{0EA92074-7182-D08D-7090-473050E4AC3D}"/>
+              </a:ext>
+            </a:extLst>
+          </p:cNvPr>
+          <p:cNvSpPr/>
+          <p:nvPr/>
+        </p:nvSpPr>
+        <p:spPr>
+          <a:xfrm>
+            <a:off x="6937858" y="3465033"/>
+            <a:ext cx="373669" cy="369317"/>
+          </a:xfrm>
+          <a:prstGeom prst="ellipse">
+            <a:avLst/>
+          </a:prstGeom>
+          <a:noFill/>
+        </p:spPr>
+        <p:style>
+          <a:lnRef idx="2">
+            <a:schemeClr val="accent1">
+              <a:shade val="50000"/>
+            </a:schemeClr>
+          </a:lnRef>
+          <a:fillRef idx="1">
+            <a:schemeClr val="accent1"/>
+          </a:fillRef>
+          <a:effectRef idx="0">
+            <a:schemeClr val="accent1"/>
+          </a:effectRef>
+          <a:fontRef idx="minor">
+            <a:schemeClr val="lt1"/>
+          </a:fontRef>
+        </p:style>
+        <p:txBody>
+          <a:bodyPr rtlCol="0" anchor="ctr"/>
+          <a:lstStyle/>
+          <a:p>
+            <a:pPr algn="ctr"/>
+            <a:r>
+              <a:rPr lang="fr-FR" dirty="0">
+                <a:solidFill>
+                  <a:schemeClr val="tx1"/>
+                </a:solidFill>
+              </a:rPr>
+              <a:t>2</a:t>
+            </a:r>
+          </a:p>
+        </p:txBody>
+      </p:sp>
+      <p:sp>
+        <p:nvSpPr>
+          <p:cNvPr id="16" name="Ellipse 15">
+            <a:extLst>
+              <a:ext uri="{FF2B5EF4-FFF2-40B4-BE49-F238E27FC236}">
+                <a16:creationId xmlns:a16="http://schemas.microsoft.com/office/drawing/2014/main" id="{F717DA9A-0BEB-A86A-2369-BF334C90D834}"/>
+              </a:ext>
+            </a:extLst>
+          </p:cNvPr>
+          <p:cNvSpPr/>
+          <p:nvPr/>
+        </p:nvSpPr>
+        <p:spPr>
+          <a:xfrm>
+            <a:off x="8950826" y="4214776"/>
+            <a:ext cx="373669" cy="369317"/>
+          </a:xfrm>
+          <a:prstGeom prst="ellipse">
+            <a:avLst/>
+          </a:prstGeom>
+          <a:noFill/>
+        </p:spPr>
+        <p:style>
+          <a:lnRef idx="2">
+            <a:schemeClr val="accent1">
+              <a:shade val="50000"/>
+            </a:schemeClr>
+          </a:lnRef>
+          <a:fillRef idx="1">
+            <a:schemeClr val="accent1"/>
+          </a:fillRef>
+          <a:effectRef idx="0">
+            <a:schemeClr val="accent1"/>
+          </a:effectRef>
+          <a:fontRef idx="minor">
+            <a:schemeClr val="lt1"/>
+          </a:fontRef>
+        </p:style>
+        <p:txBody>
+          <a:bodyPr rtlCol="0" anchor="ctr"/>
+          <a:lstStyle/>
+          <a:p>
+            <a:pPr algn="ctr"/>
+            <a:r>
+              <a:rPr lang="fr-FR" dirty="0">
+                <a:solidFill>
+                  <a:schemeClr val="tx1"/>
+                </a:solidFill>
+              </a:rPr>
+              <a:t>2</a:t>
+            </a:r>
+          </a:p>
+        </p:txBody>
+      </p:sp>
+      <p:sp>
+        <p:nvSpPr>
+          <p:cNvPr id="17" name="Ellipse 16">
+            <a:extLst>
+              <a:ext uri="{FF2B5EF4-FFF2-40B4-BE49-F238E27FC236}">
+                <a16:creationId xmlns:a16="http://schemas.microsoft.com/office/drawing/2014/main" id="{D7A73389-6B45-60BD-9634-60945AD5611D}"/>
+              </a:ext>
+            </a:extLst>
+          </p:cNvPr>
+          <p:cNvSpPr/>
+          <p:nvPr/>
+        </p:nvSpPr>
+        <p:spPr>
+          <a:xfrm>
+            <a:off x="6937858" y="4719828"/>
+            <a:ext cx="373669" cy="369317"/>
+          </a:xfrm>
+          <a:prstGeom prst="ellipse">
+            <a:avLst/>
+          </a:prstGeom>
+          <a:noFill/>
+        </p:spPr>
+        <p:style>
+          <a:lnRef idx="2">
+            <a:schemeClr val="accent1">
+              <a:shade val="50000"/>
+            </a:schemeClr>
+          </a:lnRef>
+          <a:fillRef idx="1">
+            <a:schemeClr val="accent1"/>
+          </a:fillRef>
+          <a:effectRef idx="0">
+            <a:schemeClr val="accent1"/>
+          </a:effectRef>
+          <a:fontRef idx="minor">
+            <a:schemeClr val="lt1"/>
+          </a:fontRef>
+        </p:style>
+        <p:txBody>
+          <a:bodyPr rtlCol="0" anchor="ctr"/>
+          <a:lstStyle/>
+          <a:p>
+            <a:pPr algn="ctr"/>
+            <a:r>
+              <a:rPr lang="fr-FR" dirty="0">
+                <a:solidFill>
+                  <a:schemeClr val="tx1"/>
+                </a:solidFill>
+              </a:rPr>
+              <a:t>3</a:t>
+            </a:r>
+          </a:p>
+        </p:txBody>
+      </p:sp>
+      <p:sp>
+        <p:nvSpPr>
+          <p:cNvPr id="19" name="Ellipse 18">
+            <a:extLst>
+              <a:ext uri="{FF2B5EF4-FFF2-40B4-BE49-F238E27FC236}">
+                <a16:creationId xmlns:a16="http://schemas.microsoft.com/office/drawing/2014/main" id="{D7AE6AFD-3C50-2FA1-3320-2DC253F87BDF}"/>
+              </a:ext>
+            </a:extLst>
+          </p:cNvPr>
+          <p:cNvSpPr/>
+          <p:nvPr/>
+        </p:nvSpPr>
+        <p:spPr>
+          <a:xfrm>
+            <a:off x="10049961" y="3617079"/>
+            <a:ext cx="373669" cy="369317"/>
+          </a:xfrm>
+          <a:prstGeom prst="ellipse">
+            <a:avLst/>
+          </a:prstGeom>
+          <a:noFill/>
+        </p:spPr>
+        <p:style>
+          <a:lnRef idx="2">
+            <a:schemeClr val="accent1">
+              <a:shade val="50000"/>
+            </a:schemeClr>
+          </a:lnRef>
+          <a:fillRef idx="1">
+            <a:schemeClr val="accent1"/>
+          </a:fillRef>
+          <a:effectRef idx="0">
+            <a:schemeClr val="accent1"/>
+          </a:effectRef>
+          <a:fontRef idx="minor">
+            <a:schemeClr val="lt1"/>
+          </a:fontRef>
+        </p:style>
+        <p:txBody>
+          <a:bodyPr rtlCol="0" anchor="ctr"/>
+          <a:lstStyle/>
+          <a:p>
+            <a:pPr algn="ctr"/>
+            <a:r>
+              <a:rPr lang="fr-FR" dirty="0">
+                <a:solidFill>
+                  <a:schemeClr val="tx1"/>
+                </a:solidFill>
+              </a:rPr>
+              <a:t>3</a:t>
+            </a:r>
+          </a:p>
+        </p:txBody>
+      </p:sp>
+      <p:sp>
+        <p:nvSpPr>
+          <p:cNvPr id="20" name="Rectangle 19">
+            <a:extLst>
+              <a:ext uri="{FF2B5EF4-FFF2-40B4-BE49-F238E27FC236}">
+                <a16:creationId xmlns:a16="http://schemas.microsoft.com/office/drawing/2014/main" id="{D899080C-9E89-F995-CD6F-E0DFF491C62C}"/>
+              </a:ext>
+            </a:extLst>
+          </p:cNvPr>
+          <p:cNvSpPr/>
+          <p:nvPr/>
+        </p:nvSpPr>
+        <p:spPr>
+          <a:xfrm>
+            <a:off x="9744085" y="3834350"/>
+            <a:ext cx="230013" cy="184659"/>
+          </a:xfrm>
+          <a:prstGeom prst="rect">
+            <a:avLst/>
+          </a:prstGeom>
+        </p:spPr>
+        <p:style>
+          <a:lnRef idx="2">
+            <a:schemeClr val="accent1">
+              <a:shade val="50000"/>
+            </a:schemeClr>
+          </a:lnRef>
+          <a:fillRef idx="1">
+            <a:schemeClr val="accent1"/>
+          </a:fillRef>
+          <a:effectRef idx="0">
+            <a:schemeClr val="accent1"/>
+          </a:effectRef>
+          <a:fontRef idx="minor">
+            <a:schemeClr val="lt1"/>
+          </a:fontRef>
+        </p:style>
+        <p:txBody>
+          <a:bodyPr rtlCol="0" anchor="ctr"/>
+          <a:lstStyle/>
+          <a:p>
+            <a:pPr algn="ctr"/>
+            <a:endParaRPr lang="fr-FR"/>
+          </a:p>
+        </p:txBody>
+      </p:sp>
+      <p:sp>
+        <p:nvSpPr>
+          <p:cNvPr id="24" name="Ellipse 23">
+            <a:extLst>
+              <a:ext uri="{FF2B5EF4-FFF2-40B4-BE49-F238E27FC236}">
+                <a16:creationId xmlns:a16="http://schemas.microsoft.com/office/drawing/2014/main" id="{A89335B6-8803-1F37-6F83-380ACE60C0B0}"/>
+              </a:ext>
+            </a:extLst>
+          </p:cNvPr>
+          <p:cNvSpPr/>
+          <p:nvPr/>
+        </p:nvSpPr>
+        <p:spPr>
+          <a:xfrm>
+            <a:off x="9404093" y="4328827"/>
+            <a:ext cx="172271" cy="184955"/>
+          </a:xfrm>
+          <a:prstGeom prst="ellipse">
+            <a:avLst/>
+          </a:prstGeom>
+        </p:spPr>
+        <p:style>
+          <a:lnRef idx="2">
+            <a:schemeClr val="accent1">
+              <a:shade val="50000"/>
+            </a:schemeClr>
+          </a:lnRef>
+          <a:fillRef idx="1">
+            <a:schemeClr val="accent1"/>
+          </a:fillRef>
+          <a:effectRef idx="0">
+            <a:schemeClr val="accent1"/>
+          </a:effectRef>
+          <a:fontRef idx="minor">
+            <a:schemeClr val="lt1"/>
+          </a:fontRef>
+        </p:style>
+        <p:txBody>
+          <a:bodyPr rtlCol="0" anchor="ctr"/>
+          <a:lstStyle/>
+          <a:p>
+            <a:pPr algn="ctr"/>
+            <a:endParaRPr lang="fr-FR"/>
+          </a:p>
+        </p:txBody>
+      </p:sp>
+      <p:sp>
+        <p:nvSpPr>
+          <p:cNvPr id="51" name="Rectangle 50">
+            <a:extLst>
+              <a:ext uri="{FF2B5EF4-FFF2-40B4-BE49-F238E27FC236}">
+                <a16:creationId xmlns:a16="http://schemas.microsoft.com/office/drawing/2014/main" id="{4B04D7B3-1FE7-D2D5-2CD2-3238241A9862}"/>
+              </a:ext>
+            </a:extLst>
+          </p:cNvPr>
+          <p:cNvSpPr/>
+          <p:nvPr/>
+        </p:nvSpPr>
+        <p:spPr>
+          <a:xfrm>
+            <a:off x="9418571" y="3811889"/>
+            <a:ext cx="165681" cy="229580"/>
+          </a:xfrm>
+          <a:prstGeom prst="rect">
+            <a:avLst/>
+          </a:prstGeom>
+          <a:solidFill>
+            <a:srgbClr val="FF0000"/>
+          </a:solidFill>
+          <a:ln>
+            <a:solidFill>
+              <a:srgbClr val="FF0000"/>
+            </a:solidFill>
+          </a:ln>
+        </p:spPr>
+        <p:style>
+          <a:lnRef idx="2">
+            <a:schemeClr val="accent1">
+              <a:shade val="50000"/>
+            </a:schemeClr>
+          </a:lnRef>
+          <a:fillRef idx="1">
+            <a:schemeClr val="accent1"/>
+          </a:fillRef>
+          <a:effectRef idx="0">
+            <a:schemeClr val="accent1"/>
+          </a:effectRef>
+          <a:fontRef idx="minor">
+            <a:schemeClr val="lt1"/>
+          </a:fontRef>
+        </p:style>
+        <p:txBody>
+          <a:bodyPr rtlCol="0" anchor="ctr"/>
+          <a:lstStyle/>
+          <a:p>
+            <a:pPr algn="ctr"/>
+            <a:endParaRPr lang="fr-FR"/>
+          </a:p>
+        </p:txBody>
+      </p:sp>
+      <p:sp>
+        <p:nvSpPr>
+          <p:cNvPr id="52" name="Ellipse 51">
+            <a:extLst>
+              <a:ext uri="{FF2B5EF4-FFF2-40B4-BE49-F238E27FC236}">
+                <a16:creationId xmlns:a16="http://schemas.microsoft.com/office/drawing/2014/main" id="{59283C81-2BDE-14B9-98E0-776ED9843CE6}"/>
+              </a:ext>
+            </a:extLst>
+          </p:cNvPr>
+          <p:cNvSpPr/>
+          <p:nvPr/>
+        </p:nvSpPr>
+        <p:spPr>
+          <a:xfrm>
+            <a:off x="9040697" y="3404956"/>
+            <a:ext cx="373669" cy="369317"/>
+          </a:xfrm>
+          <a:prstGeom prst="ellipse">
+            <a:avLst/>
+          </a:prstGeom>
+          <a:noFill/>
+          <a:ln>
+            <a:solidFill>
+              <a:srgbClr val="FF0000"/>
+            </a:solidFill>
+          </a:ln>
+        </p:spPr>
+        <p:style>
+          <a:lnRef idx="2">
+            <a:schemeClr val="accent1">
+              <a:shade val="50000"/>
+            </a:schemeClr>
+          </a:lnRef>
+          <a:fillRef idx="1">
+            <a:schemeClr val="accent1"/>
+          </a:fillRef>
+          <a:effectRef idx="0">
+            <a:schemeClr val="accent1"/>
+          </a:effectRef>
+          <a:fontRef idx="minor">
+            <a:schemeClr val="lt1"/>
+          </a:fontRef>
+        </p:style>
+        <p:txBody>
+          <a:bodyPr rtlCol="0" anchor="ctr"/>
+          <a:lstStyle/>
+          <a:p>
+            <a:pPr algn="ctr"/>
+            <a:r>
+              <a:rPr lang="fr-FR" dirty="0">
+                <a:solidFill>
+                  <a:schemeClr val="tx1"/>
+                </a:solidFill>
+              </a:rPr>
+              <a:t>4</a:t>
+            </a:r>
+          </a:p>
+        </p:txBody>
+      </p:sp>
+      <p:sp>
+        <p:nvSpPr>
+          <p:cNvPr id="54" name="Ellipse 53">
+            <a:extLst>
+              <a:ext uri="{FF2B5EF4-FFF2-40B4-BE49-F238E27FC236}">
+                <a16:creationId xmlns:a16="http://schemas.microsoft.com/office/drawing/2014/main" id="{2B8B9C36-DFDD-EAFF-0FE9-15409C9C2CE4}"/>
+              </a:ext>
+            </a:extLst>
+          </p:cNvPr>
+          <p:cNvSpPr/>
+          <p:nvPr/>
+        </p:nvSpPr>
+        <p:spPr>
+          <a:xfrm>
+            <a:off x="3043701" y="2468997"/>
+            <a:ext cx="373669" cy="369317"/>
+          </a:xfrm>
+          <a:prstGeom prst="ellipse">
+            <a:avLst/>
+          </a:prstGeom>
+          <a:noFill/>
+          <a:ln>
+            <a:solidFill>
+              <a:srgbClr val="FF0000"/>
+            </a:solidFill>
+          </a:ln>
+        </p:spPr>
+        <p:style>
+          <a:lnRef idx="2">
+            <a:schemeClr val="accent1">
+              <a:shade val="50000"/>
+            </a:schemeClr>
+          </a:lnRef>
+          <a:fillRef idx="1">
+            <a:schemeClr val="accent1"/>
+          </a:fillRef>
+          <a:effectRef idx="0">
+            <a:schemeClr val="accent1"/>
+          </a:effectRef>
+          <a:fontRef idx="minor">
+            <a:schemeClr val="lt1"/>
+          </a:fontRef>
+        </p:style>
+        <p:txBody>
+          <a:bodyPr rtlCol="0" anchor="ctr"/>
+          <a:lstStyle/>
+          <a:p>
+            <a:pPr algn="ctr"/>
+            <a:r>
+              <a:rPr lang="fr-FR" dirty="0">
+                <a:solidFill>
+                  <a:schemeClr val="tx1"/>
+                </a:solidFill>
+              </a:rPr>
+              <a:t>4</a:t>
+            </a:r>
+          </a:p>
+        </p:txBody>
+      </p:sp>
+      <p:sp>
+        <p:nvSpPr>
+          <p:cNvPr id="55" name="Rectangle : coins arrondis 54">
+            <a:extLst>
+              <a:ext uri="{FF2B5EF4-FFF2-40B4-BE49-F238E27FC236}">
+                <a16:creationId xmlns:a16="http://schemas.microsoft.com/office/drawing/2014/main" id="{5555A817-80AD-9107-D7B1-6366DF351FE8}"/>
+              </a:ext>
+            </a:extLst>
+          </p:cNvPr>
+          <p:cNvSpPr/>
+          <p:nvPr/>
+        </p:nvSpPr>
+        <p:spPr>
+          <a:xfrm>
+            <a:off x="8140738" y="2858244"/>
+            <a:ext cx="626442" cy="369309"/>
+          </a:xfrm>
+          <a:prstGeom prst="roundRect">
+            <a:avLst/>
+          </a:prstGeom>
+          <a:solidFill>
+            <a:srgbClr val="FF0000"/>
+          </a:solidFill>
+          <a:ln>
+            <a:solidFill>
+              <a:srgbClr val="FF0000"/>
+            </a:solidFill>
+          </a:ln>
+        </p:spPr>
+        <p:style>
+          <a:lnRef idx="2">
+            <a:schemeClr val="accent1">
+              <a:shade val="50000"/>
+            </a:schemeClr>
+          </a:lnRef>
+          <a:fillRef idx="1">
+            <a:schemeClr val="accent1"/>
+          </a:fillRef>
+          <a:effectRef idx="0">
+            <a:schemeClr val="accent1"/>
+          </a:effectRef>
+          <a:fontRef idx="minor">
+            <a:schemeClr val="lt1"/>
+          </a:fontRef>
+        </p:style>
+        <p:txBody>
+          <a:bodyPr rtlCol="0" anchor="ctr"/>
+          <a:lstStyle/>
+          <a:p>
+            <a:pPr algn="ctr"/>
+            <a:r>
+              <a:rPr lang="fr-FR" dirty="0">
+                <a:solidFill>
+                  <a:schemeClr val="tx1"/>
+                </a:solidFill>
+              </a:rPr>
+              <a:t>PC</a:t>
+            </a:r>
+          </a:p>
+        </p:txBody>
+      </p:sp>
+      <p:cxnSp>
+        <p:nvCxnSpPr>
+          <p:cNvPr id="64" name="Connecteur : en angle 63">
+            <a:extLst>
+              <a:ext uri="{FF2B5EF4-FFF2-40B4-BE49-F238E27FC236}">
+                <a16:creationId xmlns:a16="http://schemas.microsoft.com/office/drawing/2014/main" id="{26DC7D41-9B2F-A8BA-7DB2-9388726EA07E}"/>
+              </a:ext>
+            </a:extLst>
+          </p:cNvPr>
+          <p:cNvCxnSpPr>
+            <a:cxnSpLocks/>
+            <a:stCxn id="55" idx="2"/>
+          </p:cNvCxnSpPr>
+          <p:nvPr/>
+        </p:nvCxnSpPr>
+        <p:spPr>
+          <a:xfrm rot="16200000" flipH="1">
+            <a:off x="8563714" y="3117798"/>
+            <a:ext cx="651026" cy="870536"/>
+          </a:xfrm>
+          <a:prstGeom prst="bentConnector2">
+            <a:avLst/>
+          </a:prstGeom>
+          <a:ln>
+            <a:solidFill>
+              <a:srgbClr val="FF0000"/>
+            </a:solidFill>
+            <a:tailEnd type="triangle"/>
+          </a:ln>
         </p:spPr>
         <p:style>
           <a:lnRef idx="1">
